--- a/Semana07/ServiciosREST.pptx
+++ b/Semana07/ServiciosREST.pptx
@@ -6,6 +6,8 @@
   </p:sldMasterIdLst>
   <p:sldIdLst>
     <p:sldId id="256" r:id="rId2"/>
+    <p:sldId id="257" r:id="rId3"/>
+    <p:sldId id="258" r:id="rId4"/>
   </p:sldIdLst>
   <p:sldSz cx="12192000" cy="6858000"/>
   <p:notesSz cx="6858000" cy="9144000"/>
@@ -104,6 +106,11 @@
       </a:defRPr>
     </a:lvl9pPr>
   </p:defaultTextStyle>
+  <p:extLst>
+    <p:ext uri="{EFAFB233-063F-42B5-8137-9DF3F51BA10A}">
+      <p15:sldGuideLst xmlns:p15="http://schemas.microsoft.com/office/powerpoint/2012/main"/>
+    </p:ext>
+  </p:extLst>
 </p:presentation>
 </file>
 
@@ -3898,6 +3905,683 @@
 </p:sld>
 </file>
 
+<file path=ppt/slides/slide2.xml><?xml version="1.0" encoding="utf-8"?>
+<p:sld xmlns:a="http://schemas.openxmlformats.org/drawingml/2006/main" xmlns:r="http://schemas.openxmlformats.org/officeDocument/2006/relationships" xmlns:p="http://schemas.openxmlformats.org/presentationml/2006/main">
+  <p:cSld>
+    <p:spTree>
+      <p:nvGrpSpPr>
+        <p:cNvPr id="1" name=""/>
+        <p:cNvGrpSpPr/>
+        <p:nvPr/>
+      </p:nvGrpSpPr>
+      <p:grpSpPr>
+        <a:xfrm>
+          <a:off x="0" y="0"/>
+          <a:ext cx="0" cy="0"/>
+          <a:chOff x="0" y="0"/>
+          <a:chExt cx="0" cy="0"/>
+        </a:xfrm>
+      </p:grpSpPr>
+      <p:sp>
+        <p:nvSpPr>
+          <p:cNvPr id="2" name="CuadroTexto 1">
+            <a:extLst>
+              <a:ext uri="{FF2B5EF4-FFF2-40B4-BE49-F238E27FC236}">
+                <a16:creationId xmlns:a16="http://schemas.microsoft.com/office/drawing/2014/main" id="{EFDC9AB1-70C6-B487-3DD3-D154B7188062}"/>
+              </a:ext>
+            </a:extLst>
+          </p:cNvPr>
+          <p:cNvSpPr txBox="1"/>
+          <p:nvPr/>
+        </p:nvSpPr>
+        <p:spPr>
+          <a:xfrm>
+            <a:off x="369454" y="138606"/>
+            <a:ext cx="7878619" cy="584775"/>
+          </a:xfrm>
+          <a:prstGeom prst="rect">
+            <a:avLst/>
+          </a:prstGeom>
+          <a:noFill/>
+        </p:spPr>
+        <p:txBody>
+          <a:bodyPr wrap="square" rtlCol="0">
+            <a:spAutoFit/>
+          </a:bodyPr>
+          <a:lstStyle/>
+          <a:p>
+            <a:r>
+              <a:rPr lang="es-ES" sz="3200" b="1" dirty="0">
+                <a:solidFill>
+                  <a:srgbClr val="0070C0"/>
+                </a:solidFill>
+              </a:rPr>
+              <a:t>POSTMAN</a:t>
+            </a:r>
+          </a:p>
+        </p:txBody>
+      </p:sp>
+      <p:sp>
+        <p:nvSpPr>
+          <p:cNvPr id="3" name="Rectángulo 2">
+            <a:extLst>
+              <a:ext uri="{FF2B5EF4-FFF2-40B4-BE49-F238E27FC236}">
+                <a16:creationId xmlns:a16="http://schemas.microsoft.com/office/drawing/2014/main" id="{8F9A3C99-84FD-EBF1-6A05-BD2579804A02}"/>
+              </a:ext>
+            </a:extLst>
+          </p:cNvPr>
+          <p:cNvSpPr/>
+          <p:nvPr/>
+        </p:nvSpPr>
+        <p:spPr>
+          <a:xfrm>
+            <a:off x="406399" y="1105186"/>
+            <a:ext cx="11379201" cy="5523345"/>
+          </a:xfrm>
+          <a:prstGeom prst="rect">
+            <a:avLst/>
+          </a:prstGeom>
+        </p:spPr>
+        <p:style>
+          <a:lnRef idx="1">
+            <a:schemeClr val="accent4"/>
+          </a:lnRef>
+          <a:fillRef idx="2">
+            <a:schemeClr val="accent4"/>
+          </a:fillRef>
+          <a:effectRef idx="1">
+            <a:schemeClr val="accent4"/>
+          </a:effectRef>
+          <a:fontRef idx="minor">
+            <a:schemeClr val="dk1"/>
+          </a:fontRef>
+        </p:style>
+        <p:txBody>
+          <a:bodyPr rtlCol="0" anchor="ctr"/>
+          <a:lstStyle/>
+          <a:p>
+            <a:pPr algn="ctr"/>
+            <a:endParaRPr lang="es-ES"/>
+          </a:p>
+        </p:txBody>
+      </p:sp>
+      <p:sp>
+        <p:nvSpPr>
+          <p:cNvPr id="4" name="Rectángulo 3">
+            <a:extLst>
+              <a:ext uri="{FF2B5EF4-FFF2-40B4-BE49-F238E27FC236}">
+                <a16:creationId xmlns:a16="http://schemas.microsoft.com/office/drawing/2014/main" id="{2C346022-6A10-6BCA-0E41-A4D32B633849}"/>
+              </a:ext>
+            </a:extLst>
+          </p:cNvPr>
+          <p:cNvSpPr/>
+          <p:nvPr/>
+        </p:nvSpPr>
+        <p:spPr>
+          <a:xfrm>
+            <a:off x="3034144" y="812798"/>
+            <a:ext cx="6123709" cy="584775"/>
+          </a:xfrm>
+          <a:prstGeom prst="rect">
+            <a:avLst/>
+          </a:prstGeom>
+        </p:spPr>
+        <p:style>
+          <a:lnRef idx="2">
+            <a:schemeClr val="accent1">
+              <a:shade val="15000"/>
+            </a:schemeClr>
+          </a:lnRef>
+          <a:fillRef idx="1">
+            <a:schemeClr val="accent1"/>
+          </a:fillRef>
+          <a:effectRef idx="0">
+            <a:schemeClr val="accent1"/>
+          </a:effectRef>
+          <a:fontRef idx="minor">
+            <a:schemeClr val="lt1"/>
+          </a:fontRef>
+        </p:style>
+        <p:txBody>
+          <a:bodyPr rtlCol="0" anchor="ctr"/>
+          <a:lstStyle/>
+          <a:p>
+            <a:pPr algn="ctr"/>
+            <a:r>
+              <a:rPr lang="es-ES" sz="2400" dirty="0"/>
+              <a:t>WworkSpace-UPN-2025-2</a:t>
+            </a:r>
+          </a:p>
+        </p:txBody>
+      </p:sp>
+      <p:grpSp>
+        <p:nvGrpSpPr>
+          <p:cNvPr id="7" name="Grupo 6">
+            <a:extLst>
+              <a:ext uri="{FF2B5EF4-FFF2-40B4-BE49-F238E27FC236}">
+                <a16:creationId xmlns:a16="http://schemas.microsoft.com/office/drawing/2014/main" id="{122774D8-CAC9-8FDC-0488-18F83F4DBA9F}"/>
+              </a:ext>
+            </a:extLst>
+          </p:cNvPr>
+          <p:cNvGrpSpPr/>
+          <p:nvPr/>
+        </p:nvGrpSpPr>
+        <p:grpSpPr>
+          <a:xfrm>
+            <a:off x="1283855" y="1689962"/>
+            <a:ext cx="3786910" cy="4664656"/>
+            <a:chOff x="1283855" y="1689962"/>
+            <a:chExt cx="3786910" cy="4664656"/>
+          </a:xfrm>
+        </p:grpSpPr>
+        <p:sp>
+          <p:nvSpPr>
+            <p:cNvPr id="5" name="Rectángulo 4">
+              <a:extLst>
+                <a:ext uri="{FF2B5EF4-FFF2-40B4-BE49-F238E27FC236}">
+                  <a16:creationId xmlns:a16="http://schemas.microsoft.com/office/drawing/2014/main" id="{1C22BDA5-EA5B-BC52-1DE7-19FB50C55C3A}"/>
+                </a:ext>
+              </a:extLst>
+            </p:cNvPr>
+            <p:cNvSpPr/>
+            <p:nvPr/>
+          </p:nvSpPr>
+          <p:spPr>
+            <a:xfrm>
+              <a:off x="1283855" y="2364509"/>
+              <a:ext cx="3777672" cy="3990109"/>
+            </a:xfrm>
+            <a:prstGeom prst="rect">
+              <a:avLst/>
+            </a:prstGeom>
+          </p:spPr>
+          <p:style>
+            <a:lnRef idx="2">
+              <a:schemeClr val="accent1">
+                <a:shade val="15000"/>
+              </a:schemeClr>
+            </a:lnRef>
+            <a:fillRef idx="1">
+              <a:schemeClr val="accent1"/>
+            </a:fillRef>
+            <a:effectRef idx="0">
+              <a:schemeClr val="accent1"/>
+            </a:effectRef>
+            <a:fontRef idx="minor">
+              <a:schemeClr val="lt1"/>
+            </a:fontRef>
+          </p:style>
+          <p:txBody>
+            <a:bodyPr rtlCol="0" anchor="ctr"/>
+            <a:lstStyle/>
+            <a:p>
+              <a:pPr algn="ctr"/>
+              <a:endParaRPr lang="es-ES"/>
+            </a:p>
+          </p:txBody>
+        </p:sp>
+        <p:sp>
+          <p:nvSpPr>
+            <p:cNvPr id="6" name="Rectángulo 5">
+              <a:extLst>
+                <a:ext uri="{FF2B5EF4-FFF2-40B4-BE49-F238E27FC236}">
+                  <a16:creationId xmlns:a16="http://schemas.microsoft.com/office/drawing/2014/main" id="{D5B2AF8A-A6BB-43F7-D61D-14A28BD6999A}"/>
+                </a:ext>
+              </a:extLst>
+            </p:cNvPr>
+            <p:cNvSpPr/>
+            <p:nvPr/>
+          </p:nvSpPr>
+          <p:spPr>
+            <a:xfrm>
+              <a:off x="1293093" y="1689962"/>
+              <a:ext cx="3777672" cy="665306"/>
+            </a:xfrm>
+            <a:prstGeom prst="rect">
+              <a:avLst/>
+            </a:prstGeom>
+          </p:spPr>
+          <p:style>
+            <a:lnRef idx="1">
+              <a:schemeClr val="accent3"/>
+            </a:lnRef>
+            <a:fillRef idx="2">
+              <a:schemeClr val="accent3"/>
+            </a:fillRef>
+            <a:effectRef idx="1">
+              <a:schemeClr val="accent3"/>
+            </a:effectRef>
+            <a:fontRef idx="minor">
+              <a:schemeClr val="dk1"/>
+            </a:fontRef>
+          </p:style>
+          <p:txBody>
+            <a:bodyPr rtlCol="0" anchor="ctr"/>
+            <a:lstStyle/>
+            <a:p>
+              <a:pPr algn="ctr"/>
+              <a:r>
+                <a:rPr lang="es-ES" dirty="0"/>
+                <a:t>Colección 1</a:t>
+              </a:r>
+            </a:p>
+          </p:txBody>
+        </p:sp>
+      </p:grpSp>
+      <p:grpSp>
+        <p:nvGrpSpPr>
+          <p:cNvPr id="8" name="Grupo 7">
+            <a:extLst>
+              <a:ext uri="{FF2B5EF4-FFF2-40B4-BE49-F238E27FC236}">
+                <a16:creationId xmlns:a16="http://schemas.microsoft.com/office/drawing/2014/main" id="{6542D6A9-99AE-41E0-C8BA-7CD8C7BA5939}"/>
+              </a:ext>
+            </a:extLst>
+          </p:cNvPr>
+          <p:cNvGrpSpPr/>
+          <p:nvPr/>
+        </p:nvGrpSpPr>
+        <p:grpSpPr>
+          <a:xfrm>
+            <a:off x="6802582" y="1689961"/>
+            <a:ext cx="3786910" cy="4664656"/>
+            <a:chOff x="1283855" y="1689962"/>
+            <a:chExt cx="3786910" cy="4664656"/>
+          </a:xfrm>
+        </p:grpSpPr>
+        <p:sp>
+          <p:nvSpPr>
+            <p:cNvPr id="9" name="Rectángulo 8">
+              <a:extLst>
+                <a:ext uri="{FF2B5EF4-FFF2-40B4-BE49-F238E27FC236}">
+                  <a16:creationId xmlns:a16="http://schemas.microsoft.com/office/drawing/2014/main" id="{DB2CEA2C-8DFC-C3CF-0E70-15EBA471D81D}"/>
+                </a:ext>
+              </a:extLst>
+            </p:cNvPr>
+            <p:cNvSpPr/>
+            <p:nvPr/>
+          </p:nvSpPr>
+          <p:spPr>
+            <a:xfrm>
+              <a:off x="1283855" y="2364509"/>
+              <a:ext cx="3777672" cy="3990109"/>
+            </a:xfrm>
+            <a:prstGeom prst="rect">
+              <a:avLst/>
+            </a:prstGeom>
+          </p:spPr>
+          <p:style>
+            <a:lnRef idx="2">
+              <a:schemeClr val="accent1">
+                <a:shade val="15000"/>
+              </a:schemeClr>
+            </a:lnRef>
+            <a:fillRef idx="1">
+              <a:schemeClr val="accent1"/>
+            </a:fillRef>
+            <a:effectRef idx="0">
+              <a:schemeClr val="accent1"/>
+            </a:effectRef>
+            <a:fontRef idx="minor">
+              <a:schemeClr val="lt1"/>
+            </a:fontRef>
+          </p:style>
+          <p:txBody>
+            <a:bodyPr rtlCol="0" anchor="ctr"/>
+            <a:lstStyle/>
+            <a:p>
+              <a:pPr algn="ctr"/>
+              <a:endParaRPr lang="es-ES"/>
+            </a:p>
+          </p:txBody>
+        </p:sp>
+        <p:sp>
+          <p:nvSpPr>
+            <p:cNvPr id="10" name="Rectángulo 9">
+              <a:extLst>
+                <a:ext uri="{FF2B5EF4-FFF2-40B4-BE49-F238E27FC236}">
+                  <a16:creationId xmlns:a16="http://schemas.microsoft.com/office/drawing/2014/main" id="{9FE22FE7-22C7-2215-249E-77F151E713D9}"/>
+                </a:ext>
+              </a:extLst>
+            </p:cNvPr>
+            <p:cNvSpPr/>
+            <p:nvPr/>
+          </p:nvSpPr>
+          <p:spPr>
+            <a:xfrm>
+              <a:off x="1293093" y="1689962"/>
+              <a:ext cx="3777672" cy="665306"/>
+            </a:xfrm>
+            <a:prstGeom prst="rect">
+              <a:avLst/>
+            </a:prstGeom>
+          </p:spPr>
+          <p:style>
+            <a:lnRef idx="1">
+              <a:schemeClr val="accent3"/>
+            </a:lnRef>
+            <a:fillRef idx="2">
+              <a:schemeClr val="accent3"/>
+            </a:fillRef>
+            <a:effectRef idx="1">
+              <a:schemeClr val="accent3"/>
+            </a:effectRef>
+            <a:fontRef idx="minor">
+              <a:schemeClr val="dk1"/>
+            </a:fontRef>
+          </p:style>
+          <p:txBody>
+            <a:bodyPr rtlCol="0" anchor="ctr"/>
+            <a:lstStyle/>
+            <a:p>
+              <a:pPr algn="ctr"/>
+              <a:r>
+                <a:rPr lang="es-ES" dirty="0"/>
+                <a:t>Colección 2</a:t>
+              </a:r>
+            </a:p>
+          </p:txBody>
+        </p:sp>
+      </p:grpSp>
+      <p:pic>
+        <p:nvPicPr>
+          <p:cNvPr id="12" name="Imagen 11">
+            <a:extLst>
+              <a:ext uri="{FF2B5EF4-FFF2-40B4-BE49-F238E27FC236}">
+                <a16:creationId xmlns:a16="http://schemas.microsoft.com/office/drawing/2014/main" id="{A54F5C30-927D-937A-7937-36FA7CE6BC1F}"/>
+              </a:ext>
+            </a:extLst>
+          </p:cNvPr>
+          <p:cNvPicPr>
+            <a:picLocks noChangeAspect="1"/>
+          </p:cNvPicPr>
+          <p:nvPr/>
+        </p:nvPicPr>
+        <p:blipFill>
+          <a:blip r:embed="rId2">
+            <a:extLst>
+              <a:ext uri="{28A0092B-C50C-407E-A947-70E740481C1C}">
+                <a14:useLocalDpi xmlns:a14="http://schemas.microsoft.com/office/drawing/2010/main" val="0"/>
+              </a:ext>
+            </a:extLst>
+          </a:blip>
+          <a:stretch>
+            <a:fillRect/>
+          </a:stretch>
+        </p:blipFill>
+        <p:spPr>
+          <a:xfrm>
+            <a:off x="1406339" y="2459828"/>
+            <a:ext cx="3562825" cy="2016000"/>
+          </a:xfrm>
+          <a:prstGeom prst="rect">
+            <a:avLst/>
+          </a:prstGeom>
+        </p:spPr>
+      </p:pic>
+      <p:pic>
+        <p:nvPicPr>
+          <p:cNvPr id="13" name="Imagen 12">
+            <a:extLst>
+              <a:ext uri="{FF2B5EF4-FFF2-40B4-BE49-F238E27FC236}">
+                <a16:creationId xmlns:a16="http://schemas.microsoft.com/office/drawing/2014/main" id="{75A9C26F-FE3A-BDC0-E92E-3EAFB6537481}"/>
+              </a:ext>
+            </a:extLst>
+          </p:cNvPr>
+          <p:cNvPicPr>
+            <a:picLocks noChangeAspect="1"/>
+          </p:cNvPicPr>
+          <p:nvPr/>
+        </p:nvPicPr>
+        <p:blipFill>
+          <a:blip r:embed="rId2">
+            <a:extLst>
+              <a:ext uri="{28A0092B-C50C-407E-A947-70E740481C1C}">
+                <a14:useLocalDpi xmlns:a14="http://schemas.microsoft.com/office/drawing/2010/main" val="0"/>
+              </a:ext>
+            </a:extLst>
+          </a:blip>
+          <a:stretch>
+            <a:fillRect/>
+          </a:stretch>
+        </p:blipFill>
+        <p:spPr>
+          <a:xfrm>
+            <a:off x="1455185" y="4374860"/>
+            <a:ext cx="3513979" cy="2016000"/>
+          </a:xfrm>
+          <a:prstGeom prst="rect">
+            <a:avLst/>
+          </a:prstGeom>
+        </p:spPr>
+      </p:pic>
+      <p:pic>
+        <p:nvPicPr>
+          <p:cNvPr id="14" name="Imagen 13">
+            <a:extLst>
+              <a:ext uri="{FF2B5EF4-FFF2-40B4-BE49-F238E27FC236}">
+                <a16:creationId xmlns:a16="http://schemas.microsoft.com/office/drawing/2014/main" id="{5F71F123-4D8E-3141-7872-E2516E1911A2}"/>
+              </a:ext>
+            </a:extLst>
+          </p:cNvPr>
+          <p:cNvPicPr>
+            <a:picLocks noChangeAspect="1"/>
+          </p:cNvPicPr>
+          <p:nvPr/>
+        </p:nvPicPr>
+        <p:blipFill>
+          <a:blip r:embed="rId2">
+            <a:extLst>
+              <a:ext uri="{28A0092B-C50C-407E-A947-70E740481C1C}">
+                <a14:useLocalDpi xmlns:a14="http://schemas.microsoft.com/office/drawing/2010/main" val="0"/>
+              </a:ext>
+            </a:extLst>
+          </a:blip>
+          <a:stretch>
+            <a:fillRect/>
+          </a:stretch>
+        </p:blipFill>
+        <p:spPr>
+          <a:xfrm>
+            <a:off x="7029074" y="2364507"/>
+            <a:ext cx="3472671" cy="2016000"/>
+          </a:xfrm>
+          <a:prstGeom prst="rect">
+            <a:avLst/>
+          </a:prstGeom>
+        </p:spPr>
+      </p:pic>
+      <p:pic>
+        <p:nvPicPr>
+          <p:cNvPr id="15" name="Imagen 14">
+            <a:extLst>
+              <a:ext uri="{FF2B5EF4-FFF2-40B4-BE49-F238E27FC236}">
+                <a16:creationId xmlns:a16="http://schemas.microsoft.com/office/drawing/2014/main" id="{AFA1E963-69B8-0229-1A1C-0E43D6E31B4F}"/>
+              </a:ext>
+            </a:extLst>
+          </p:cNvPr>
+          <p:cNvPicPr>
+            <a:picLocks noChangeAspect="1"/>
+          </p:cNvPicPr>
+          <p:nvPr/>
+        </p:nvPicPr>
+        <p:blipFill>
+          <a:blip r:embed="rId2">
+            <a:extLst>
+              <a:ext uri="{28A0092B-C50C-407E-A947-70E740481C1C}">
+                <a14:useLocalDpi xmlns:a14="http://schemas.microsoft.com/office/drawing/2010/main" val="0"/>
+              </a:ext>
+            </a:extLst>
+          </a:blip>
+          <a:stretch>
+            <a:fillRect/>
+          </a:stretch>
+        </p:blipFill>
+        <p:spPr>
+          <a:xfrm>
+            <a:off x="7029074" y="4338617"/>
+            <a:ext cx="3398781" cy="2016000"/>
+          </a:xfrm>
+          <a:prstGeom prst="rect">
+            <a:avLst/>
+          </a:prstGeom>
+        </p:spPr>
+      </p:pic>
+    </p:spTree>
+    <p:extLst>
+      <p:ext uri="{BB962C8B-B14F-4D97-AF65-F5344CB8AC3E}">
+        <p14:creationId xmlns:p14="http://schemas.microsoft.com/office/powerpoint/2010/main" val="2281263150"/>
+      </p:ext>
+    </p:extLst>
+  </p:cSld>
+  <p:clrMapOvr>
+    <a:masterClrMapping/>
+  </p:clrMapOvr>
+</p:sld>
+</file>
+
+<file path=ppt/slides/slide3.xml><?xml version="1.0" encoding="utf-8"?>
+<p:sld xmlns:a="http://schemas.openxmlformats.org/drawingml/2006/main" xmlns:r="http://schemas.openxmlformats.org/officeDocument/2006/relationships" xmlns:p="http://schemas.openxmlformats.org/presentationml/2006/main">
+  <p:cSld>
+    <p:spTree>
+      <p:nvGrpSpPr>
+        <p:cNvPr id="1" name=""/>
+        <p:cNvGrpSpPr/>
+        <p:nvPr/>
+      </p:nvGrpSpPr>
+      <p:grpSpPr>
+        <a:xfrm>
+          <a:off x="0" y="0"/>
+          <a:ext cx="0" cy="0"/>
+          <a:chOff x="0" y="0"/>
+          <a:chExt cx="0" cy="0"/>
+        </a:xfrm>
+      </p:grpSpPr>
+      <p:sp>
+        <p:nvSpPr>
+          <p:cNvPr id="3" name="CuadroTexto 2">
+            <a:extLst>
+              <a:ext uri="{FF2B5EF4-FFF2-40B4-BE49-F238E27FC236}">
+                <a16:creationId xmlns:a16="http://schemas.microsoft.com/office/drawing/2014/main" id="{A4D5D929-468F-EA1A-54D1-B767849CFC4F}"/>
+              </a:ext>
+            </a:extLst>
+          </p:cNvPr>
+          <p:cNvSpPr txBox="1"/>
+          <p:nvPr/>
+        </p:nvSpPr>
+        <p:spPr>
+          <a:xfrm>
+            <a:off x="1006764" y="692727"/>
+            <a:ext cx="10501745" cy="3816429"/>
+          </a:xfrm>
+          <a:prstGeom prst="rect">
+            <a:avLst/>
+          </a:prstGeom>
+          <a:noFill/>
+        </p:spPr>
+        <p:txBody>
+          <a:bodyPr wrap="square" rtlCol="0">
+            <a:spAutoFit/>
+          </a:bodyPr>
+          <a:lstStyle/>
+          <a:p>
+            <a:pPr>
+              <a:spcBef>
+                <a:spcPts val="600"/>
+              </a:spcBef>
+              <a:spcAft>
+                <a:spcPts val="600"/>
+              </a:spcAft>
+            </a:pPr>
+            <a:r>
+              <a:rPr lang="es-ES" sz="3200" dirty="0"/>
+              <a:t>REST -&gt; Gestión de Recursos</a:t>
+            </a:r>
+          </a:p>
+          <a:p>
+            <a:pPr>
+              <a:spcBef>
+                <a:spcPts val="600"/>
+              </a:spcBef>
+              <a:spcAft>
+                <a:spcPts val="600"/>
+              </a:spcAft>
+            </a:pPr>
+            <a:r>
+              <a:rPr lang="es-ES" sz="3200" dirty="0"/>
+              <a:t>GET -&gt; Lectura de recursos</a:t>
+            </a:r>
+          </a:p>
+          <a:p>
+            <a:pPr>
+              <a:spcBef>
+                <a:spcPts val="600"/>
+              </a:spcBef>
+              <a:spcAft>
+                <a:spcPts val="600"/>
+              </a:spcAft>
+            </a:pPr>
+            <a:r>
+              <a:rPr lang="es-ES" sz="3200" dirty="0"/>
+              <a:t>POST -&gt; Crear nuevo recurso</a:t>
+            </a:r>
+          </a:p>
+          <a:p>
+            <a:pPr>
+              <a:spcBef>
+                <a:spcPts val="600"/>
+              </a:spcBef>
+              <a:spcAft>
+                <a:spcPts val="600"/>
+              </a:spcAft>
+            </a:pPr>
+            <a:r>
+              <a:rPr lang="es-ES" sz="3200" dirty="0"/>
+              <a:t>PUT -&gt; Modifica todo el recurso</a:t>
+            </a:r>
+          </a:p>
+          <a:p>
+            <a:pPr>
+              <a:spcBef>
+                <a:spcPts val="600"/>
+              </a:spcBef>
+              <a:spcAft>
+                <a:spcPts val="600"/>
+              </a:spcAft>
+            </a:pPr>
+            <a:r>
+              <a:rPr lang="es-ES" sz="3200" dirty="0"/>
+              <a:t>PATCH -&gt; Modifica parte del recurso</a:t>
+            </a:r>
+          </a:p>
+          <a:p>
+            <a:pPr>
+              <a:spcBef>
+                <a:spcPts val="600"/>
+              </a:spcBef>
+              <a:spcAft>
+                <a:spcPts val="600"/>
+              </a:spcAft>
+            </a:pPr>
+            <a:r>
+              <a:rPr lang="es-ES" sz="3200" dirty="0"/>
+              <a:t>DELETE -&gt; Eliminar recursos</a:t>
+            </a:r>
+          </a:p>
+        </p:txBody>
+      </p:sp>
+    </p:spTree>
+    <p:extLst>
+      <p:ext uri="{BB962C8B-B14F-4D97-AF65-F5344CB8AC3E}">
+        <p14:creationId xmlns:p14="http://schemas.microsoft.com/office/powerpoint/2010/main" val="3172592103"/>
+      </p:ext>
+    </p:extLst>
+  </p:cSld>
+  <p:clrMapOvr>
+    <a:masterClrMapping/>
+  </p:clrMapOvr>
+</p:sld>
+</file>
+
 <file path=ppt/theme/theme1.xml><?xml version="1.0" encoding="utf-8"?>
 <a:theme xmlns:a="http://schemas.openxmlformats.org/drawingml/2006/main" name="Tema de Office">
   <a:themeElements>
